--- a/posters/websecurityposter.pptx
+++ b/posters/websecurityposter.pptx
@@ -1523,7 +1523,7 @@
         <p:spPr>
           <a:xfrm>
             <a:off x="720" y="0"/>
-            <a:ext cx="42791760" cy="30266280"/>
+            <a:ext cx="42791040" cy="30265560"/>
           </a:xfrm>
           <a:prstGeom prst="rect">
             <a:avLst/>
@@ -1898,7 +1898,7 @@
         <p:spPr>
           <a:xfrm>
             <a:off x="0" y="10800"/>
-            <a:ext cx="32687280" cy="2481840"/>
+            <a:ext cx="32686560" cy="2481120"/>
           </a:xfrm>
           <a:prstGeom prst="rect">
             <a:avLst/>
@@ -1988,49 +1988,63 @@
         <p:spPr>
           <a:xfrm>
             <a:off x="684000" y="14179320"/>
-            <a:ext cx="10976040" cy="9220680"/>
+            <a:ext cx="10975320" cy="9219960"/>
           </a:xfrm>
           <a:prstGeom prst="rect">
             <a:avLst/>
           </a:prstGeom>
           <a:gradFill>
             <a:gsLst>
-              <a:gs pos="50000">
-                <a:schemeClr val="bg1">
-                  <a:shade val="30000"/>
-                  <a:satMod val="115000"/>
-                  <a:alpha val="10000"/>
-                  <a:shade val="67500"/>
-                  <a:satMod val="115000"/>
-                </a:schemeClr>
+              <a:gs pos="0">
+                <a:srgbClr val="7f7f7f"/>
               </a:gs>
               <a:gs pos="100000">
-                <a:schemeClr val="bg1">
-                  <a:shade val="100000"/>
-                  <a:satMod val="115000"/>
-                </a:schemeClr>
+                <a:srgbClr val="ffffff"/>
               </a:gs>
             </a:gsLst>
             <a:lin ang="5400000"/>
           </a:gradFill>
-          <a:ln>
+          <a:ln w="25560">
             <a:noFill/>
           </a:ln>
         </p:spPr>
         <p:style>
-          <a:lnRef idx="2">
-            <a:schemeClr val="accent1">
-              <a:shade val="50000"/>
-            </a:schemeClr>
-          </a:lnRef>
-          <a:fillRef idx="1">
-            <a:schemeClr val="accent1"/>
-          </a:fillRef>
-          <a:effectRef idx="0">
-            <a:schemeClr val="accent1"/>
-          </a:effectRef>
+          <a:lnRef idx="0"/>
+          <a:fillRef idx="0"/>
+          <a:effectRef idx="0"/>
           <a:fontRef idx="minor"/>
         </p:style>
+        <p:txBody>
+          <a:bodyPr lIns="90000" rIns="90000" tIns="45000" bIns="45000"/>
+          <a:p>
+            <a:r>
+              <a:rPr b="0" lang="en-IN" sz="1800" spc="-1" strike="noStrike">
+                <a:solidFill>
+                  <a:srgbClr val="000000"/>
+                </a:solidFill>
+                <a:uFill>
+                  <a:solidFill>
+                    <a:srgbClr val="ffffff"/>
+                  </a:solidFill>
+                </a:uFill>
+                <a:latin typeface="Arial"/>
+                <a:ea typeface="DejaVu Sans"/>
+              </a:rPr>
+              <a:t> </a:t>
+            </a:r>
+            <a:endParaRPr b="0" lang="en-IN" sz="1800" spc="-1" strike="noStrike">
+              <a:solidFill>
+                <a:srgbClr val="000000"/>
+              </a:solidFill>
+              <a:uFill>
+                <a:solidFill>
+                  <a:srgbClr val="ffffff"/>
+                </a:solidFill>
+              </a:uFill>
+              <a:latin typeface="Arial"/>
+            </a:endParaRPr>
+          </a:p>
+        </p:txBody>
       </p:sp>
       <p:sp>
         <p:nvSpPr>
@@ -2041,7 +2055,7 @@
         <p:spPr>
           <a:xfrm>
             <a:off x="1179720" y="14603400"/>
-            <a:ext cx="10480320" cy="17688600"/>
+            <a:ext cx="10479600" cy="17687880"/>
           </a:xfrm>
           <a:prstGeom prst="rect">
             <a:avLst/>
@@ -2292,47 +2306,30 @@
         <p:spPr>
           <a:xfrm>
             <a:off x="12592440" y="4495320"/>
-            <a:ext cx="10976040" cy="22037760"/>
+            <a:ext cx="10975320" cy="22037040"/>
           </a:xfrm>
           <a:prstGeom prst="rect">
             <a:avLst/>
           </a:prstGeom>
           <a:gradFill>
             <a:gsLst>
-              <a:gs pos="50000">
-                <a:schemeClr val="bg1">
-                  <a:shade val="30000"/>
-                  <a:satMod val="115000"/>
-                  <a:alpha val="10000"/>
-                  <a:shade val="67500"/>
-                  <a:satMod val="115000"/>
-                </a:schemeClr>
+              <a:gs pos="0">
+                <a:srgbClr val="7f7f7f"/>
               </a:gs>
               <a:gs pos="100000">
-                <a:schemeClr val="bg1">
-                  <a:shade val="100000"/>
-                  <a:satMod val="115000"/>
-                </a:schemeClr>
+                <a:srgbClr val="ffffff"/>
               </a:gs>
             </a:gsLst>
             <a:lin ang="5400000"/>
           </a:gradFill>
-          <a:ln>
+          <a:ln w="25560">
             <a:noFill/>
           </a:ln>
         </p:spPr>
         <p:style>
-          <a:lnRef idx="2">
-            <a:schemeClr val="accent1">
-              <a:shade val="50000"/>
-            </a:schemeClr>
-          </a:lnRef>
-          <a:fillRef idx="1">
-            <a:schemeClr val="accent1"/>
-          </a:fillRef>
-          <a:effectRef idx="0">
-            <a:schemeClr val="accent1"/>
-          </a:effectRef>
+          <a:lnRef idx="0"/>
+          <a:fillRef idx="0"/>
+          <a:effectRef idx="0"/>
           <a:fontRef idx="minor"/>
         </p:style>
       </p:sp>
@@ -2345,47 +2342,30 @@
         <p:spPr>
           <a:xfrm>
             <a:off x="648000" y="4500000"/>
-            <a:ext cx="10905840" cy="8892000"/>
+            <a:ext cx="11016000" cy="8891280"/>
           </a:xfrm>
           <a:prstGeom prst="rect">
             <a:avLst/>
           </a:prstGeom>
           <a:gradFill>
             <a:gsLst>
-              <a:gs pos="50000">
-                <a:schemeClr val="bg1">
-                  <a:shade val="30000"/>
-                  <a:satMod val="115000"/>
-                  <a:alpha val="10000"/>
-                  <a:shade val="67500"/>
-                  <a:satMod val="115000"/>
-                </a:schemeClr>
+              <a:gs pos="0">
+                <a:srgbClr val="7f7f7f"/>
               </a:gs>
               <a:gs pos="100000">
-                <a:schemeClr val="bg1">
-                  <a:shade val="100000"/>
-                  <a:satMod val="115000"/>
-                </a:schemeClr>
+                <a:srgbClr val="ffffff"/>
               </a:gs>
             </a:gsLst>
             <a:lin ang="5400000"/>
           </a:gradFill>
-          <a:ln>
+          <a:ln w="25560">
             <a:noFill/>
           </a:ln>
         </p:spPr>
         <p:style>
-          <a:lnRef idx="2">
-            <a:schemeClr val="accent1">
-              <a:shade val="50000"/>
-            </a:schemeClr>
-          </a:lnRef>
-          <a:fillRef idx="1">
-            <a:schemeClr val="accent1"/>
-          </a:fillRef>
-          <a:effectRef idx="0">
-            <a:schemeClr val="accent1"/>
-          </a:effectRef>
+          <a:lnRef idx="0"/>
+          <a:fillRef idx="0"/>
+          <a:effectRef idx="0"/>
           <a:fontRef idx="minor"/>
         </p:style>
       </p:sp>
@@ -2398,47 +2378,30 @@
         <p:spPr>
           <a:xfrm>
             <a:off x="24141600" y="4500000"/>
-            <a:ext cx="17532000" cy="12974400"/>
+            <a:ext cx="17531280" cy="12973680"/>
           </a:xfrm>
           <a:prstGeom prst="rect">
             <a:avLst/>
           </a:prstGeom>
           <a:gradFill>
             <a:gsLst>
-              <a:gs pos="50000">
-                <a:schemeClr val="bg1">
-                  <a:shade val="30000"/>
-                  <a:satMod val="115000"/>
-                  <a:alpha val="10000"/>
-                  <a:shade val="67500"/>
-                  <a:satMod val="115000"/>
-                </a:schemeClr>
+              <a:gs pos="0">
+                <a:srgbClr val="7f7f7f"/>
               </a:gs>
               <a:gs pos="100000">
-                <a:schemeClr val="bg1">
-                  <a:shade val="100000"/>
-                  <a:satMod val="115000"/>
-                </a:schemeClr>
+                <a:srgbClr val="ffffff"/>
               </a:gs>
             </a:gsLst>
             <a:lin ang="5400000"/>
           </a:gradFill>
-          <a:ln>
+          <a:ln w="25560">
             <a:noFill/>
           </a:ln>
         </p:spPr>
         <p:style>
-          <a:lnRef idx="2">
-            <a:schemeClr val="accent1">
-              <a:shade val="50000"/>
-            </a:schemeClr>
-          </a:lnRef>
-          <a:fillRef idx="1">
-            <a:schemeClr val="accent1"/>
-          </a:fillRef>
-          <a:effectRef idx="0">
-            <a:schemeClr val="accent1"/>
-          </a:effectRef>
+          <a:lnRef idx="0"/>
+          <a:fillRef idx="0"/>
+          <a:effectRef idx="0"/>
           <a:fontRef idx="minor"/>
         </p:style>
       </p:sp>
@@ -2451,47 +2414,30 @@
         <p:spPr>
           <a:xfrm>
             <a:off x="24141600" y="17421120"/>
-            <a:ext cx="17532000" cy="7015320"/>
+            <a:ext cx="17531280" cy="7014600"/>
           </a:xfrm>
           <a:prstGeom prst="rect">
             <a:avLst/>
           </a:prstGeom>
           <a:gradFill>
             <a:gsLst>
-              <a:gs pos="50000">
-                <a:schemeClr val="bg1">
-                  <a:shade val="30000"/>
-                  <a:satMod val="115000"/>
-                  <a:alpha val="10000"/>
-                  <a:shade val="67500"/>
-                  <a:satMod val="115000"/>
-                </a:schemeClr>
+              <a:gs pos="0">
+                <a:srgbClr val="7f7f7f"/>
               </a:gs>
               <a:gs pos="100000">
-                <a:schemeClr val="bg1">
-                  <a:shade val="100000"/>
-                  <a:satMod val="115000"/>
-                </a:schemeClr>
+                <a:srgbClr val="ffffff"/>
               </a:gs>
             </a:gsLst>
             <a:lin ang="5400000"/>
           </a:gradFill>
-          <a:ln>
+          <a:ln w="25560">
             <a:noFill/>
           </a:ln>
         </p:spPr>
         <p:style>
-          <a:lnRef idx="2">
-            <a:schemeClr val="accent1">
-              <a:shade val="50000"/>
-            </a:schemeClr>
-          </a:lnRef>
-          <a:fillRef idx="1">
-            <a:schemeClr val="accent1"/>
-          </a:fillRef>
-          <a:effectRef idx="0">
-            <a:schemeClr val="accent1"/>
-          </a:effectRef>
+          <a:lnRef idx="0"/>
+          <a:fillRef idx="0"/>
+          <a:effectRef idx="0"/>
           <a:fontRef idx="minor"/>
         </p:style>
       </p:sp>
@@ -2504,7 +2450,7 @@
         <p:spPr>
           <a:xfrm>
             <a:off x="13202280" y="4947840"/>
-            <a:ext cx="9909000" cy="2651040"/>
+            <a:ext cx="9908280" cy="2650320"/>
           </a:xfrm>
           <a:prstGeom prst="rect">
             <a:avLst/>
@@ -2610,8 +2556,26 @@
                 <a:latin typeface="Calibri"/>
                 <a:ea typeface="Verdana"/>
               </a:rPr>
-              <a:t>Modeling</a:t>
-            </a:r>
+              <a:t>MODELING</a:t>
+            </a:r>
+            <a:endParaRPr b="0" lang="en-IN" sz="1800" spc="-1" strike="noStrike">
+              <a:solidFill>
+                <a:srgbClr val="000000"/>
+              </a:solidFill>
+              <a:uFill>
+                <a:solidFill>
+                  <a:srgbClr val="ffffff"/>
+                </a:solidFill>
+              </a:uFill>
+              <a:latin typeface="Arial"/>
+            </a:endParaRPr>
+          </a:p>
+          <a:p>
+            <a:pPr>
+              <a:lnSpc>
+                <a:spcPct val="100000"/>
+              </a:lnSpc>
+            </a:pPr>
             <a:endParaRPr b="0" lang="en-IN" sz="1800" spc="-1" strike="noStrike">
               <a:solidFill>
                 <a:srgbClr val="000000"/>
@@ -2663,96 +2627,717 @@
                 <a:spcPct val="100000"/>
               </a:lnSpc>
             </a:pPr>
-            <a:endParaRPr b="0" lang="en-IN" sz="1800" spc="-1" strike="noStrike">
-              <a:solidFill>
-                <a:srgbClr val="000000"/>
-              </a:solidFill>
-              <a:uFill>
-                <a:solidFill>
-                  <a:srgbClr val="ffffff"/>
-                </a:solidFill>
-              </a:uFill>
-              <a:latin typeface="Arial"/>
-            </a:endParaRPr>
-          </a:p>
-          <a:p>
-            <a:pPr>
-              <a:lnSpc>
-                <a:spcPct val="100000"/>
-              </a:lnSpc>
-            </a:pPr>
-            <a:endParaRPr b="0" lang="en-IN" sz="1800" spc="-1" strike="noStrike">
-              <a:solidFill>
-                <a:srgbClr val="000000"/>
-              </a:solidFill>
-              <a:uFill>
-                <a:solidFill>
-                  <a:srgbClr val="ffffff"/>
-                </a:solidFill>
-              </a:uFill>
-              <a:latin typeface="Arial"/>
-            </a:endParaRPr>
-          </a:p>
-          <a:p>
-            <a:pPr>
-              <a:lnSpc>
-                <a:spcPct val="100000"/>
-              </a:lnSpc>
-            </a:pPr>
-            <a:endParaRPr b="0" lang="en-IN" sz="1800" spc="-1" strike="noStrike">
-              <a:solidFill>
-                <a:srgbClr val="000000"/>
-              </a:solidFill>
-              <a:uFill>
-                <a:solidFill>
-                  <a:srgbClr val="ffffff"/>
-                </a:solidFill>
-              </a:uFill>
-              <a:latin typeface="Arial"/>
-            </a:endParaRPr>
-          </a:p>
-          <a:p>
-            <a:pPr>
-              <a:lnSpc>
-                <a:spcPct val="100000"/>
-              </a:lnSpc>
-            </a:pPr>
-            <a:endParaRPr b="0" lang="en-IN" sz="1800" spc="-1" strike="noStrike">
-              <a:solidFill>
-                <a:srgbClr val="000000"/>
-              </a:solidFill>
-              <a:uFill>
-                <a:solidFill>
-                  <a:srgbClr val="ffffff"/>
-                </a:solidFill>
-              </a:uFill>
-              <a:latin typeface="Arial"/>
-            </a:endParaRPr>
-          </a:p>
-          <a:p>
-            <a:pPr>
-              <a:lnSpc>
-                <a:spcPct val="100000"/>
-              </a:lnSpc>
-            </a:pPr>
-            <a:endParaRPr b="0" lang="en-IN" sz="1800" spc="-1" strike="noStrike">
-              <a:solidFill>
-                <a:srgbClr val="000000"/>
-              </a:solidFill>
-              <a:uFill>
-                <a:solidFill>
-                  <a:srgbClr val="ffffff"/>
-                </a:solidFill>
-              </a:uFill>
-              <a:latin typeface="Arial"/>
-            </a:endParaRPr>
-          </a:p>
-          <a:p>
-            <a:pPr>
-              <a:lnSpc>
-                <a:spcPct val="100000"/>
-              </a:lnSpc>
-            </a:pPr>
+            <a:r>
+              <a:rPr b="0" lang="en-IN" sz="1800" spc="-1" strike="noStrike">
+                <a:solidFill>
+                  <a:srgbClr val="000000"/>
+                </a:solidFill>
+                <a:uFill>
+                  <a:solidFill>
+                    <a:srgbClr val="ffffff"/>
+                  </a:solidFill>
+                </a:uFill>
+                <a:latin typeface="Arial"/>
+                <a:ea typeface="DejaVu Sans"/>
+              </a:rPr>
+              <a:t> </a:t>
+            </a:r>
+            <a:endParaRPr b="0" lang="en-IN" sz="1800" spc="-1" strike="noStrike">
+              <a:solidFill>
+                <a:srgbClr val="000000"/>
+              </a:solidFill>
+              <a:uFill>
+                <a:solidFill>
+                  <a:srgbClr val="ffffff"/>
+                </a:solidFill>
+              </a:uFill>
+              <a:latin typeface="Arial"/>
+            </a:endParaRPr>
+          </a:p>
+          <a:p>
+            <a:pPr>
+              <a:lnSpc>
+                <a:spcPct val="100000"/>
+              </a:lnSpc>
+            </a:pPr>
+            <a:endParaRPr b="0" lang="en-IN" sz="1800" spc="-1" strike="noStrike">
+              <a:solidFill>
+                <a:srgbClr val="000000"/>
+              </a:solidFill>
+              <a:uFill>
+                <a:solidFill>
+                  <a:srgbClr val="ffffff"/>
+                </a:solidFill>
+              </a:uFill>
+              <a:latin typeface="Arial"/>
+            </a:endParaRPr>
+          </a:p>
+          <a:p>
+            <a:pPr>
+              <a:lnSpc>
+                <a:spcPct val="100000"/>
+              </a:lnSpc>
+            </a:pPr>
+            <a:r>
+              <a:rPr b="0" lang="en-IN" sz="1800" spc="-1" strike="noStrike">
+                <a:solidFill>
+                  <a:srgbClr val="000000"/>
+                </a:solidFill>
+                <a:uFill>
+                  <a:solidFill>
+                    <a:srgbClr val="ffffff"/>
+                  </a:solidFill>
+                </a:uFill>
+                <a:latin typeface="Arial"/>
+                <a:ea typeface="DejaVu Sans"/>
+              </a:rPr>
+              <a:t>  </a:t>
+            </a:r>
+            <a:endParaRPr b="0" lang="en-IN" sz="1800" spc="-1" strike="noStrike">
+              <a:solidFill>
+                <a:srgbClr val="000000"/>
+              </a:solidFill>
+              <a:uFill>
+                <a:solidFill>
+                  <a:srgbClr val="ffffff"/>
+                </a:solidFill>
+              </a:uFill>
+              <a:latin typeface="Arial"/>
+            </a:endParaRPr>
+          </a:p>
+          <a:p>
+            <a:pPr>
+              <a:lnSpc>
+                <a:spcPct val="100000"/>
+              </a:lnSpc>
+            </a:pPr>
+            <a:r>
+              <a:rPr b="0" lang="en-IN" sz="1800" spc="-1" strike="noStrike">
+                <a:solidFill>
+                  <a:srgbClr val="000000"/>
+                </a:solidFill>
+                <a:uFill>
+                  <a:solidFill>
+                    <a:srgbClr val="ffffff"/>
+                  </a:solidFill>
+                </a:uFill>
+                <a:latin typeface="Arial"/>
+                <a:ea typeface="DejaVu Sans"/>
+              </a:rPr>
+              <a:t> </a:t>
+            </a:r>
+            <a:endParaRPr b="0" lang="en-IN" sz="1800" spc="-1" strike="noStrike">
+              <a:solidFill>
+                <a:srgbClr val="000000"/>
+              </a:solidFill>
+              <a:uFill>
+                <a:solidFill>
+                  <a:srgbClr val="ffffff"/>
+                </a:solidFill>
+              </a:uFill>
+              <a:latin typeface="Arial"/>
+            </a:endParaRPr>
+          </a:p>
+          <a:p>
+            <a:pPr>
+              <a:lnSpc>
+                <a:spcPct val="100000"/>
+              </a:lnSpc>
+            </a:pPr>
+            <a:r>
+              <a:rPr b="0" lang="en-IN" sz="1800" spc="-1" strike="noStrike">
+                <a:solidFill>
+                  <a:srgbClr val="000000"/>
+                </a:solidFill>
+                <a:uFill>
+                  <a:solidFill>
+                    <a:srgbClr val="ffffff"/>
+                  </a:solidFill>
+                </a:uFill>
+                <a:latin typeface="Arial"/>
+                <a:ea typeface="DejaVu Sans"/>
+              </a:rPr>
+              <a:t> </a:t>
+            </a:r>
+            <a:endParaRPr b="0" lang="en-IN" sz="1800" spc="-1" strike="noStrike">
+              <a:solidFill>
+                <a:srgbClr val="000000"/>
+              </a:solidFill>
+              <a:uFill>
+                <a:solidFill>
+                  <a:srgbClr val="ffffff"/>
+                </a:solidFill>
+              </a:uFill>
+              <a:latin typeface="Arial"/>
+            </a:endParaRPr>
+          </a:p>
+          <a:p>
+            <a:pPr>
+              <a:lnSpc>
+                <a:spcPct val="100000"/>
+              </a:lnSpc>
+            </a:pPr>
+            <a:r>
+              <a:rPr b="0" lang="en-IN" sz="1800" spc="-1" strike="noStrike">
+                <a:solidFill>
+                  <a:srgbClr val="000000"/>
+                </a:solidFill>
+                <a:uFill>
+                  <a:solidFill>
+                    <a:srgbClr val="ffffff"/>
+                  </a:solidFill>
+                </a:uFill>
+                <a:latin typeface="Arial"/>
+                <a:ea typeface="DejaVu Sans"/>
+              </a:rPr>
+              <a:t> </a:t>
+            </a:r>
+            <a:endParaRPr b="0" lang="en-IN" sz="1800" spc="-1" strike="noStrike">
+              <a:solidFill>
+                <a:srgbClr val="000000"/>
+              </a:solidFill>
+              <a:uFill>
+                <a:solidFill>
+                  <a:srgbClr val="ffffff"/>
+                </a:solidFill>
+              </a:uFill>
+              <a:latin typeface="Arial"/>
+            </a:endParaRPr>
+          </a:p>
+          <a:p>
+            <a:pPr>
+              <a:lnSpc>
+                <a:spcPct val="100000"/>
+              </a:lnSpc>
+            </a:pPr>
+            <a:r>
+              <a:rPr b="0" lang="en-IN" sz="1800" spc="-1" strike="noStrike">
+                <a:solidFill>
+                  <a:srgbClr val="000000"/>
+                </a:solidFill>
+                <a:uFill>
+                  <a:solidFill>
+                    <a:srgbClr val="ffffff"/>
+                  </a:solidFill>
+                </a:uFill>
+                <a:latin typeface="Arial"/>
+                <a:ea typeface="DejaVu Sans"/>
+              </a:rPr>
+              <a:t> </a:t>
+            </a:r>
+            <a:endParaRPr b="0" lang="en-IN" sz="1800" spc="-1" strike="noStrike">
+              <a:solidFill>
+                <a:srgbClr val="000000"/>
+              </a:solidFill>
+              <a:uFill>
+                <a:solidFill>
+                  <a:srgbClr val="ffffff"/>
+                </a:solidFill>
+              </a:uFill>
+              <a:latin typeface="Arial"/>
+            </a:endParaRPr>
+          </a:p>
+          <a:p>
+            <a:pPr>
+              <a:lnSpc>
+                <a:spcPct val="100000"/>
+              </a:lnSpc>
+            </a:pPr>
+            <a:r>
+              <a:rPr b="0" lang="en-IN" sz="1800" spc="-1" strike="noStrike">
+                <a:solidFill>
+                  <a:srgbClr val="000000"/>
+                </a:solidFill>
+                <a:uFill>
+                  <a:solidFill>
+                    <a:srgbClr val="ffffff"/>
+                  </a:solidFill>
+                </a:uFill>
+                <a:latin typeface="Arial"/>
+                <a:ea typeface="DejaVu Sans"/>
+              </a:rPr>
+              <a:t> </a:t>
+            </a:r>
+            <a:endParaRPr b="0" lang="en-IN" sz="1800" spc="-1" strike="noStrike">
+              <a:solidFill>
+                <a:srgbClr val="000000"/>
+              </a:solidFill>
+              <a:uFill>
+                <a:solidFill>
+                  <a:srgbClr val="ffffff"/>
+                </a:solidFill>
+              </a:uFill>
+              <a:latin typeface="Arial"/>
+            </a:endParaRPr>
+          </a:p>
+          <a:p>
+            <a:pPr>
+              <a:lnSpc>
+                <a:spcPct val="100000"/>
+              </a:lnSpc>
+            </a:pPr>
+            <a:r>
+              <a:rPr b="0" lang="en-IN" sz="1800" spc="-1" strike="noStrike">
+                <a:solidFill>
+                  <a:srgbClr val="000000"/>
+                </a:solidFill>
+                <a:uFill>
+                  <a:solidFill>
+                    <a:srgbClr val="ffffff"/>
+                  </a:solidFill>
+                </a:uFill>
+                <a:latin typeface="Arial"/>
+                <a:ea typeface="DejaVu Sans"/>
+              </a:rPr>
+              <a:t> </a:t>
+            </a:r>
+            <a:endParaRPr b="0" lang="en-IN" sz="1800" spc="-1" strike="noStrike">
+              <a:solidFill>
+                <a:srgbClr val="000000"/>
+              </a:solidFill>
+              <a:uFill>
+                <a:solidFill>
+                  <a:srgbClr val="ffffff"/>
+                </a:solidFill>
+              </a:uFill>
+              <a:latin typeface="Arial"/>
+            </a:endParaRPr>
+          </a:p>
+          <a:p>
+            <a:pPr>
+              <a:lnSpc>
+                <a:spcPct val="100000"/>
+              </a:lnSpc>
+            </a:pPr>
+            <a:r>
+              <a:rPr b="0" lang="en-IN" sz="1800" spc="-1" strike="noStrike">
+                <a:solidFill>
+                  <a:srgbClr val="000000"/>
+                </a:solidFill>
+                <a:uFill>
+                  <a:solidFill>
+                    <a:srgbClr val="ffffff"/>
+                  </a:solidFill>
+                </a:uFill>
+                <a:latin typeface="Arial"/>
+                <a:ea typeface="DejaVu Sans"/>
+              </a:rPr>
+              <a:t> </a:t>
+            </a:r>
+            <a:endParaRPr b="0" lang="en-IN" sz="1800" spc="-1" strike="noStrike">
+              <a:solidFill>
+                <a:srgbClr val="000000"/>
+              </a:solidFill>
+              <a:uFill>
+                <a:solidFill>
+                  <a:srgbClr val="ffffff"/>
+                </a:solidFill>
+              </a:uFill>
+              <a:latin typeface="Arial"/>
+            </a:endParaRPr>
+          </a:p>
+          <a:p>
+            <a:pPr>
+              <a:lnSpc>
+                <a:spcPct val="100000"/>
+              </a:lnSpc>
+            </a:pPr>
+            <a:r>
+              <a:rPr b="0" lang="en-IN" sz="1800" spc="-1" strike="noStrike">
+                <a:solidFill>
+                  <a:srgbClr val="000000"/>
+                </a:solidFill>
+                <a:uFill>
+                  <a:solidFill>
+                    <a:srgbClr val="ffffff"/>
+                  </a:solidFill>
+                </a:uFill>
+                <a:latin typeface="Arial"/>
+                <a:ea typeface="DejaVu Sans"/>
+              </a:rPr>
+              <a:t> </a:t>
+            </a:r>
+            <a:endParaRPr b="0" lang="en-IN" sz="1800" spc="-1" strike="noStrike">
+              <a:solidFill>
+                <a:srgbClr val="000000"/>
+              </a:solidFill>
+              <a:uFill>
+                <a:solidFill>
+                  <a:srgbClr val="ffffff"/>
+                </a:solidFill>
+              </a:uFill>
+              <a:latin typeface="Arial"/>
+            </a:endParaRPr>
+          </a:p>
+          <a:p>
+            <a:pPr>
+              <a:lnSpc>
+                <a:spcPct val="100000"/>
+              </a:lnSpc>
+            </a:pPr>
+            <a:r>
+              <a:rPr b="0" lang="en-IN" sz="1800" spc="-1" strike="noStrike">
+                <a:solidFill>
+                  <a:srgbClr val="000000"/>
+                </a:solidFill>
+                <a:uFill>
+                  <a:solidFill>
+                    <a:srgbClr val="ffffff"/>
+                  </a:solidFill>
+                </a:uFill>
+                <a:latin typeface="Arial"/>
+                <a:ea typeface="DejaVu Sans"/>
+              </a:rPr>
+              <a:t> </a:t>
+            </a:r>
+            <a:endParaRPr b="0" lang="en-IN" sz="1800" spc="-1" strike="noStrike">
+              <a:solidFill>
+                <a:srgbClr val="000000"/>
+              </a:solidFill>
+              <a:uFill>
+                <a:solidFill>
+                  <a:srgbClr val="ffffff"/>
+                </a:solidFill>
+              </a:uFill>
+              <a:latin typeface="Arial"/>
+            </a:endParaRPr>
+          </a:p>
+          <a:p>
+            <a:pPr>
+              <a:lnSpc>
+                <a:spcPct val="100000"/>
+              </a:lnSpc>
+            </a:pPr>
+            <a:r>
+              <a:rPr b="0" lang="en-IN" sz="1800" spc="-1" strike="noStrike">
+                <a:solidFill>
+                  <a:srgbClr val="000000"/>
+                </a:solidFill>
+                <a:uFill>
+                  <a:solidFill>
+                    <a:srgbClr val="ffffff"/>
+                  </a:solidFill>
+                </a:uFill>
+                <a:latin typeface="Arial"/>
+                <a:ea typeface="DejaVu Sans"/>
+              </a:rPr>
+              <a:t> </a:t>
+            </a:r>
+            <a:endParaRPr b="0" lang="en-IN" sz="1800" spc="-1" strike="noStrike">
+              <a:solidFill>
+                <a:srgbClr val="000000"/>
+              </a:solidFill>
+              <a:uFill>
+                <a:solidFill>
+                  <a:srgbClr val="ffffff"/>
+                </a:solidFill>
+              </a:uFill>
+              <a:latin typeface="Arial"/>
+            </a:endParaRPr>
+          </a:p>
+          <a:p>
+            <a:pPr>
+              <a:lnSpc>
+                <a:spcPct val="100000"/>
+              </a:lnSpc>
+            </a:pPr>
+            <a:r>
+              <a:rPr b="0" lang="en-IN" sz="1800" spc="-1" strike="noStrike">
+                <a:solidFill>
+                  <a:srgbClr val="000000"/>
+                </a:solidFill>
+                <a:uFill>
+                  <a:solidFill>
+                    <a:srgbClr val="ffffff"/>
+                  </a:solidFill>
+                </a:uFill>
+                <a:latin typeface="Arial"/>
+                <a:ea typeface="DejaVu Sans"/>
+              </a:rPr>
+              <a:t> </a:t>
+            </a:r>
+            <a:endParaRPr b="0" lang="en-IN" sz="1800" spc="-1" strike="noStrike">
+              <a:solidFill>
+                <a:srgbClr val="000000"/>
+              </a:solidFill>
+              <a:uFill>
+                <a:solidFill>
+                  <a:srgbClr val="ffffff"/>
+                </a:solidFill>
+              </a:uFill>
+              <a:latin typeface="Arial"/>
+            </a:endParaRPr>
+          </a:p>
+          <a:p>
+            <a:pPr>
+              <a:lnSpc>
+                <a:spcPct val="100000"/>
+              </a:lnSpc>
+            </a:pPr>
+            <a:r>
+              <a:rPr b="0" lang="en-IN" sz="1800" spc="-1" strike="noStrike">
+                <a:solidFill>
+                  <a:srgbClr val="000000"/>
+                </a:solidFill>
+                <a:uFill>
+                  <a:solidFill>
+                    <a:srgbClr val="ffffff"/>
+                  </a:solidFill>
+                </a:uFill>
+                <a:latin typeface="Arial"/>
+                <a:ea typeface="DejaVu Sans"/>
+              </a:rPr>
+              <a:t> </a:t>
+            </a:r>
+            <a:endParaRPr b="0" lang="en-IN" sz="1800" spc="-1" strike="noStrike">
+              <a:solidFill>
+                <a:srgbClr val="000000"/>
+              </a:solidFill>
+              <a:uFill>
+                <a:solidFill>
+                  <a:srgbClr val="ffffff"/>
+                </a:solidFill>
+              </a:uFill>
+              <a:latin typeface="Arial"/>
+            </a:endParaRPr>
+          </a:p>
+          <a:p>
+            <a:pPr>
+              <a:lnSpc>
+                <a:spcPct val="100000"/>
+              </a:lnSpc>
+            </a:pPr>
+            <a:r>
+              <a:rPr b="0" lang="en-IN" sz="1800" spc="-1" strike="noStrike">
+                <a:solidFill>
+                  <a:srgbClr val="000000"/>
+                </a:solidFill>
+                <a:uFill>
+                  <a:solidFill>
+                    <a:srgbClr val="ffffff"/>
+                  </a:solidFill>
+                </a:uFill>
+                <a:latin typeface="Arial"/>
+                <a:ea typeface="DejaVu Sans"/>
+              </a:rPr>
+              <a:t> </a:t>
+            </a:r>
+            <a:endParaRPr b="0" lang="en-IN" sz="1800" spc="-1" strike="noStrike">
+              <a:solidFill>
+                <a:srgbClr val="000000"/>
+              </a:solidFill>
+              <a:uFill>
+                <a:solidFill>
+                  <a:srgbClr val="ffffff"/>
+                </a:solidFill>
+              </a:uFill>
+              <a:latin typeface="Arial"/>
+            </a:endParaRPr>
+          </a:p>
+          <a:p>
+            <a:pPr>
+              <a:lnSpc>
+                <a:spcPct val="100000"/>
+              </a:lnSpc>
+            </a:pPr>
+            <a:r>
+              <a:rPr b="0" lang="en-IN" sz="1800" spc="-1" strike="noStrike">
+                <a:solidFill>
+                  <a:srgbClr val="000000"/>
+                </a:solidFill>
+                <a:uFill>
+                  <a:solidFill>
+                    <a:srgbClr val="ffffff"/>
+                  </a:solidFill>
+                </a:uFill>
+                <a:latin typeface="Arial"/>
+                <a:ea typeface="DejaVu Sans"/>
+              </a:rPr>
+              <a:t> </a:t>
+            </a:r>
+            <a:endParaRPr b="0" lang="en-IN" sz="1800" spc="-1" strike="noStrike">
+              <a:solidFill>
+                <a:srgbClr val="000000"/>
+              </a:solidFill>
+              <a:uFill>
+                <a:solidFill>
+                  <a:srgbClr val="ffffff"/>
+                </a:solidFill>
+              </a:uFill>
+              <a:latin typeface="Arial"/>
+            </a:endParaRPr>
+          </a:p>
+          <a:p>
+            <a:pPr>
+              <a:lnSpc>
+                <a:spcPct val="100000"/>
+              </a:lnSpc>
+            </a:pPr>
+            <a:r>
+              <a:rPr b="0" lang="en-IN" sz="1800" spc="-1" strike="noStrike">
+                <a:solidFill>
+                  <a:srgbClr val="000000"/>
+                </a:solidFill>
+                <a:uFill>
+                  <a:solidFill>
+                    <a:srgbClr val="ffffff"/>
+                  </a:solidFill>
+                </a:uFill>
+                <a:latin typeface="Arial"/>
+                <a:ea typeface="DejaVu Sans"/>
+              </a:rPr>
+              <a:t> </a:t>
+            </a:r>
+            <a:endParaRPr b="0" lang="en-IN" sz="1800" spc="-1" strike="noStrike">
+              <a:solidFill>
+                <a:srgbClr val="000000"/>
+              </a:solidFill>
+              <a:uFill>
+                <a:solidFill>
+                  <a:srgbClr val="ffffff"/>
+                </a:solidFill>
+              </a:uFill>
+              <a:latin typeface="Arial"/>
+            </a:endParaRPr>
+          </a:p>
+          <a:p>
+            <a:pPr>
+              <a:lnSpc>
+                <a:spcPct val="100000"/>
+              </a:lnSpc>
+            </a:pPr>
+            <a:endParaRPr b="0" lang="en-IN" sz="1800" spc="-1" strike="noStrike">
+              <a:solidFill>
+                <a:srgbClr val="000000"/>
+              </a:solidFill>
+              <a:uFill>
+                <a:solidFill>
+                  <a:srgbClr val="ffffff"/>
+                </a:solidFill>
+              </a:uFill>
+              <a:latin typeface="Arial"/>
+            </a:endParaRPr>
+          </a:p>
+          <a:p>
+            <a:pPr>
+              <a:lnSpc>
+                <a:spcPct val="100000"/>
+              </a:lnSpc>
+            </a:pPr>
+            <a:r>
+              <a:rPr b="0" lang="en-IN" sz="1800" spc="-1" strike="noStrike">
+                <a:solidFill>
+                  <a:srgbClr val="000000"/>
+                </a:solidFill>
+                <a:uFill>
+                  <a:solidFill>
+                    <a:srgbClr val="ffffff"/>
+                  </a:solidFill>
+                </a:uFill>
+                <a:latin typeface="Arial"/>
+                <a:ea typeface="DejaVu Sans"/>
+              </a:rPr>
+              <a:t> </a:t>
+            </a:r>
+            <a:endParaRPr b="0" lang="en-IN" sz="1800" spc="-1" strike="noStrike">
+              <a:solidFill>
+                <a:srgbClr val="000000"/>
+              </a:solidFill>
+              <a:uFill>
+                <a:solidFill>
+                  <a:srgbClr val="ffffff"/>
+                </a:solidFill>
+              </a:uFill>
+              <a:latin typeface="Arial"/>
+            </a:endParaRPr>
+          </a:p>
+          <a:p>
+            <a:pPr>
+              <a:lnSpc>
+                <a:spcPct val="100000"/>
+              </a:lnSpc>
+            </a:pPr>
+            <a:r>
+              <a:rPr b="0" lang="en-IN" sz="1800" spc="-1" strike="noStrike">
+                <a:solidFill>
+                  <a:srgbClr val="000000"/>
+                </a:solidFill>
+                <a:uFill>
+                  <a:solidFill>
+                    <a:srgbClr val="ffffff"/>
+                  </a:solidFill>
+                </a:uFill>
+                <a:latin typeface="Arial"/>
+                <a:ea typeface="DejaVu Sans"/>
+              </a:rPr>
+              <a:t> </a:t>
+            </a:r>
+            <a:endParaRPr b="0" lang="en-IN" sz="1800" spc="-1" strike="noStrike">
+              <a:solidFill>
+                <a:srgbClr val="000000"/>
+              </a:solidFill>
+              <a:uFill>
+                <a:solidFill>
+                  <a:srgbClr val="ffffff"/>
+                </a:solidFill>
+              </a:uFill>
+              <a:latin typeface="Arial"/>
+            </a:endParaRPr>
+          </a:p>
+          <a:p>
+            <a:pPr>
+              <a:lnSpc>
+                <a:spcPct val="100000"/>
+              </a:lnSpc>
+            </a:pPr>
+            <a:r>
+              <a:rPr b="0" lang="en-IN" sz="1800" spc="-1" strike="noStrike">
+                <a:solidFill>
+                  <a:srgbClr val="000000"/>
+                </a:solidFill>
+                <a:uFill>
+                  <a:solidFill>
+                    <a:srgbClr val="ffffff"/>
+                  </a:solidFill>
+                </a:uFill>
+                <a:latin typeface="Arial"/>
+                <a:ea typeface="DejaVu Sans"/>
+              </a:rPr>
+              <a:t> </a:t>
+            </a:r>
+            <a:endParaRPr b="0" lang="en-IN" sz="1800" spc="-1" strike="noStrike">
+              <a:solidFill>
+                <a:srgbClr val="000000"/>
+              </a:solidFill>
+              <a:uFill>
+                <a:solidFill>
+                  <a:srgbClr val="ffffff"/>
+                </a:solidFill>
+              </a:uFill>
+              <a:latin typeface="Arial"/>
+            </a:endParaRPr>
+          </a:p>
+          <a:p>
+            <a:pPr>
+              <a:lnSpc>
+                <a:spcPct val="100000"/>
+              </a:lnSpc>
+            </a:pPr>
+            <a:r>
+              <a:rPr b="0" lang="en-IN" sz="1800" spc="-1" strike="noStrike">
+                <a:solidFill>
+                  <a:srgbClr val="000000"/>
+                </a:solidFill>
+                <a:uFill>
+                  <a:solidFill>
+                    <a:srgbClr val="ffffff"/>
+                  </a:solidFill>
+                </a:uFill>
+                <a:latin typeface="Arial"/>
+                <a:ea typeface="DejaVu Sans"/>
+              </a:rPr>
+              <a:t> </a:t>
+            </a:r>
             <a:endParaRPr b="0" lang="en-IN" sz="1800" spc="-1" strike="noStrike">
               <a:solidFill>
                 <a:srgbClr val="000000"/>
@@ -2784,8 +3369,26 @@
                 <a:latin typeface="Calibri"/>
                 <a:ea typeface="Verdana"/>
               </a:rPr>
-              <a:t>Experimentation</a:t>
-            </a:r>
+              <a:t>EXPERIMENTATION</a:t>
+            </a:r>
+            <a:endParaRPr b="0" lang="en-IN" sz="1800" spc="-1" strike="noStrike">
+              <a:solidFill>
+                <a:srgbClr val="000000"/>
+              </a:solidFill>
+              <a:uFill>
+                <a:solidFill>
+                  <a:srgbClr val="ffffff"/>
+                </a:solidFill>
+              </a:uFill>
+              <a:latin typeface="Arial"/>
+            </a:endParaRPr>
+          </a:p>
+          <a:p>
+            <a:pPr>
+              <a:lnSpc>
+                <a:spcPct val="100000"/>
+              </a:lnSpc>
+            </a:pPr>
             <a:endParaRPr b="0" lang="en-IN" sz="1800" spc="-1" strike="noStrike">
               <a:solidFill>
                 <a:srgbClr val="000000"/>
@@ -2878,7 +3481,7 @@
         <p:spPr>
           <a:xfrm>
             <a:off x="932400" y="4988880"/>
-            <a:ext cx="10621440" cy="7174800"/>
+            <a:ext cx="10620720" cy="7174080"/>
           </a:xfrm>
           <a:prstGeom prst="rect">
             <a:avLst/>
@@ -3074,8 +3677,8 @@
         </p:nvSpPr>
         <p:spPr>
           <a:xfrm>
-            <a:off x="24598800" y="11161800"/>
-            <a:ext cx="15550200" cy="6306120"/>
+            <a:off x="24598800" y="11197800"/>
+            <a:ext cx="15549480" cy="6305400"/>
           </a:xfrm>
           <a:prstGeom prst="rect">
             <a:avLst/>
@@ -3221,7 +3824,7 @@
         <p:spPr>
           <a:xfrm>
             <a:off x="24598800" y="17948160"/>
-            <a:ext cx="15550200" cy="6168600"/>
+            <a:ext cx="15549480" cy="6167880"/>
           </a:xfrm>
           <a:prstGeom prst="rect">
             <a:avLst/>
@@ -3309,7 +3912,7 @@
                 <a:latin typeface="Calibri"/>
                 <a:ea typeface="Verdana"/>
               </a:rPr>
-              <a:t>FIM is not an all-encompassing security system. Current browser security policies have many defects which causes services to be vulnerable to cross origin attacks even if they have FIM. Implementing a CORP browser security policies protects the user through the browser from attacks like cross-site timing, csrf..etc.</a:t>
+              <a:t>FIM is not an all-encompassing security system. Current browser security policies have many defects which causes services to be vulnerable to cross origin attacks even if they have FIM. Implementing a CORP browser security policies protects the user through the browser from attacks like cross-site timing, csrf, etc.</a:t>
             </a:r>
             <a:endParaRPr b="0" lang="en-IN" sz="1800" spc="-1" strike="noStrike">
               <a:solidFill>
@@ -3334,7 +3937,7 @@
         <p:spPr>
           <a:xfrm>
             <a:off x="29325240" y="25952040"/>
-            <a:ext cx="11585880" cy="1783080"/>
+            <a:ext cx="11585160" cy="1782360"/>
           </a:xfrm>
           <a:prstGeom prst="rect">
             <a:avLst/>
@@ -3451,7 +4054,7 @@
         <p:spPr>
           <a:xfrm>
             <a:off x="24750360" y="24741000"/>
-            <a:ext cx="4421520" cy="2954520"/>
+            <a:ext cx="4420800" cy="2953800"/>
           </a:xfrm>
           <a:prstGeom prst="rect">
             <a:avLst/>
@@ -3473,8 +4076,8 @@
         </p:blipFill>
         <p:spPr>
           <a:xfrm>
-            <a:off x="14256000" y="14286600"/>
-            <a:ext cx="7344000" cy="4627800"/>
+            <a:off x="14256360" y="13788000"/>
+            <a:ext cx="7343280" cy="4627080"/>
           </a:xfrm>
           <a:prstGeom prst="rect">
             <a:avLst/>
@@ -3497,7 +4100,7 @@
         <p:spPr>
           <a:xfrm>
             <a:off x="24256800" y="4876920"/>
-            <a:ext cx="8395200" cy="5403240"/>
+            <a:ext cx="8394480" cy="5402520"/>
           </a:xfrm>
           <a:prstGeom prst="rect">
             <a:avLst/>
@@ -3520,7 +4123,7 @@
         <p:spPr>
           <a:xfrm>
             <a:off x="33098760" y="4794840"/>
-            <a:ext cx="8553240" cy="4899960"/>
+            <a:ext cx="8552520" cy="4899240"/>
           </a:xfrm>
           <a:prstGeom prst="rect">
             <a:avLst/>
@@ -3530,6 +4133,106 @@
           </a:ln>
         </p:spPr>
       </p:pic>
+      <p:sp>
+        <p:nvSpPr>
+          <p:cNvPr id="53" name="TextShape 13"/>
+          <p:cNvSpPr txBox="1"/>
+          <p:nvPr/>
+        </p:nvSpPr>
+        <p:spPr>
+          <a:xfrm>
+            <a:off x="27160200" y="10728000"/>
+            <a:ext cx="3007800" cy="792000"/>
+          </a:xfrm>
+          <a:prstGeom prst="rect">
+            <a:avLst/>
+          </a:prstGeom>
+          <a:noFill/>
+          <a:ln>
+            <a:noFill/>
+          </a:ln>
+        </p:spPr>
+        <p:txBody>
+          <a:bodyPr lIns="90000" rIns="90000" tIns="45000" bIns="45000"/>
+          <a:p>
+            <a:r>
+              <a:rPr b="0" lang="en-IN" sz="2400" spc="-1" strike="noStrike">
+                <a:solidFill>
+                  <a:srgbClr val="000000"/>
+                </a:solidFill>
+                <a:uFill>
+                  <a:solidFill>
+                    <a:srgbClr val="ffffff"/>
+                  </a:solidFill>
+                </a:uFill>
+                <a:latin typeface="Arial"/>
+              </a:rPr>
+              <a:t>The Logout Attack</a:t>
+            </a:r>
+            <a:endParaRPr b="0" lang="en-IN" sz="2400" spc="-1" strike="noStrike">
+              <a:solidFill>
+                <a:srgbClr val="000000"/>
+              </a:solidFill>
+              <a:uFill>
+                <a:solidFill>
+                  <a:srgbClr val="ffffff"/>
+                </a:solidFill>
+              </a:uFill>
+              <a:latin typeface="Arial"/>
+            </a:endParaRPr>
+          </a:p>
+        </p:txBody>
+      </p:sp>
+      <p:sp>
+        <p:nvSpPr>
+          <p:cNvPr id="54" name="TextShape 14"/>
+          <p:cNvSpPr txBox="1"/>
+          <p:nvPr/>
+        </p:nvSpPr>
+        <p:spPr>
+          <a:xfrm>
+            <a:off x="35208000" y="10729800"/>
+            <a:ext cx="4464000" cy="430200"/>
+          </a:xfrm>
+          <a:prstGeom prst="rect">
+            <a:avLst/>
+          </a:prstGeom>
+          <a:noFill/>
+          <a:ln>
+            <a:noFill/>
+          </a:ln>
+        </p:spPr>
+        <p:txBody>
+          <a:bodyPr lIns="90000" rIns="90000" tIns="45000" bIns="45000"/>
+          <a:p>
+            <a:r>
+              <a:rPr b="0" lang="en-IN" sz="2400" spc="-1" strike="noStrike">
+                <a:solidFill>
+                  <a:srgbClr val="000000"/>
+                </a:solidFill>
+                <a:uFill>
+                  <a:solidFill>
+                    <a:srgbClr val="ffffff"/>
+                  </a:solidFill>
+                </a:uFill>
+                <a:latin typeface="Arial"/>
+              </a:rPr>
+              <a:t>The Logout Attack Mitigation</a:t>
+            </a:r>
+            <a:endParaRPr b="0" lang="en-IN" sz="2400" spc="-1" strike="noStrike">
+              <a:solidFill>
+                <a:srgbClr val="000000"/>
+              </a:solidFill>
+              <a:uFill>
+                <a:solidFill>
+                  <a:srgbClr val="ffffff"/>
+                </a:solidFill>
+              </a:uFill>
+              <a:latin typeface="Arial"/>
+            </a:endParaRPr>
+          </a:p>
+        </p:txBody>
+      </p:sp>
     </p:spTree>
   </p:cSld>
   <p:timing>

--- a/posters/websecurityposter.pptx
+++ b/posters/websecurityposter.pptx
@@ -64,7 +64,7 @@
         <p:spPr>
           <a:xfrm>
             <a:off x="2139480" y="1207440"/>
-            <a:ext cx="38514240" cy="5054040"/>
+            <a:ext cx="38513520" cy="5053320"/>
           </a:xfrm>
           <a:prstGeom prst="rect">
             <a:avLst/>
@@ -101,7 +101,7 @@
         <p:spPr>
           <a:xfrm>
             <a:off x="2139480" y="7082280"/>
-            <a:ext cx="38514240" cy="8373240"/>
+            <a:ext cx="38513880" cy="8373240"/>
           </a:xfrm>
           <a:prstGeom prst="rect">
             <a:avLst/>
@@ -137,7 +137,7 @@
         <p:spPr>
           <a:xfrm>
             <a:off x="2139480" y="16251480"/>
-            <a:ext cx="38514240" cy="8373240"/>
+            <a:ext cx="38513880" cy="8373240"/>
           </a:xfrm>
           <a:prstGeom prst="rect">
             <a:avLst/>
@@ -195,7 +195,7 @@
         <p:spPr>
           <a:xfrm>
             <a:off x="2139480" y="1207440"/>
-            <a:ext cx="38514240" cy="5054040"/>
+            <a:ext cx="38513520" cy="5053320"/>
           </a:xfrm>
           <a:prstGeom prst="rect">
             <a:avLst/>
@@ -232,7 +232,7 @@
         <p:spPr>
           <a:xfrm>
             <a:off x="2139480" y="7082280"/>
-            <a:ext cx="18794880" cy="8373240"/>
+            <a:ext cx="18794520" cy="8373240"/>
           </a:xfrm>
           <a:prstGeom prst="rect">
             <a:avLst/>
@@ -267,8 +267,8 @@
         </p:nvSpPr>
         <p:spPr>
           <a:xfrm>
-            <a:off x="21874320" y="7082280"/>
-            <a:ext cx="18794880" cy="8373240"/>
+            <a:off x="21873960" y="7082280"/>
+            <a:ext cx="18794520" cy="8373240"/>
           </a:xfrm>
           <a:prstGeom prst="rect">
             <a:avLst/>
@@ -303,8 +303,8 @@
         </p:nvSpPr>
         <p:spPr>
           <a:xfrm>
-            <a:off x="21874320" y="16251480"/>
-            <a:ext cx="18794880" cy="8373240"/>
+            <a:off x="21873960" y="16251480"/>
+            <a:ext cx="18794520" cy="8373240"/>
           </a:xfrm>
           <a:prstGeom prst="rect">
             <a:avLst/>
@@ -340,7 +340,7 @@
         <p:spPr>
           <a:xfrm>
             <a:off x="2139480" y="16251480"/>
-            <a:ext cx="18794880" cy="8373240"/>
+            <a:ext cx="18794520" cy="8373240"/>
           </a:xfrm>
           <a:prstGeom prst="rect">
             <a:avLst/>
@@ -398,7 +398,7 @@
         <p:spPr>
           <a:xfrm>
             <a:off x="2139480" y="1207440"/>
-            <a:ext cx="38514240" cy="5054040"/>
+            <a:ext cx="38513520" cy="5053320"/>
           </a:xfrm>
           <a:prstGeom prst="rect">
             <a:avLst/>
@@ -435,7 +435,7 @@
         <p:spPr>
           <a:xfrm>
             <a:off x="2139480" y="7082280"/>
-            <a:ext cx="38514240" cy="17554680"/>
+            <a:ext cx="38513880" cy="17554320"/>
           </a:xfrm>
           <a:prstGeom prst="rect">
             <a:avLst/>
@@ -471,7 +471,7 @@
         <p:spPr>
           <a:xfrm>
             <a:off x="2139480" y="7082280"/>
-            <a:ext cx="38514240" cy="17554680"/>
+            <a:ext cx="38513880" cy="17554320"/>
           </a:xfrm>
           <a:prstGeom prst="rect">
             <a:avLst/>
@@ -506,8 +506,8 @@
         </p:blipFill>
         <p:spPr>
           <a:xfrm>
-            <a:off x="10395720" y="7081920"/>
-            <a:ext cx="22001760" cy="17554680"/>
+            <a:off x="10395720" y="7082280"/>
+            <a:ext cx="22001040" cy="17554320"/>
           </a:xfrm>
           <a:prstGeom prst="rect">
             <a:avLst/>
@@ -529,8 +529,8 @@
         </p:blipFill>
         <p:spPr>
           <a:xfrm>
-            <a:off x="10395720" y="7081920"/>
-            <a:ext cx="22001760" cy="17554680"/>
+            <a:off x="10395720" y="7082280"/>
+            <a:ext cx="22001040" cy="17554320"/>
           </a:xfrm>
           <a:prstGeom prst="rect">
             <a:avLst/>
@@ -575,7 +575,7 @@
         <p:spPr>
           <a:xfrm>
             <a:off x="2139480" y="1207440"/>
-            <a:ext cx="38514240" cy="5054040"/>
+            <a:ext cx="38513520" cy="5053320"/>
           </a:xfrm>
           <a:prstGeom prst="rect">
             <a:avLst/>
@@ -612,7 +612,7 @@
         <p:spPr>
           <a:xfrm>
             <a:off x="2139480" y="7082280"/>
-            <a:ext cx="38514240" cy="17554680"/>
+            <a:ext cx="38513880" cy="17554320"/>
           </a:xfrm>
           <a:prstGeom prst="rect">
             <a:avLst/>
@@ -671,7 +671,7 @@
         <p:spPr>
           <a:xfrm>
             <a:off x="2139480" y="1207440"/>
-            <a:ext cx="38514240" cy="5054040"/>
+            <a:ext cx="38513520" cy="5053320"/>
           </a:xfrm>
           <a:prstGeom prst="rect">
             <a:avLst/>
@@ -708,7 +708,7 @@
         <p:spPr>
           <a:xfrm>
             <a:off x="2139480" y="7082280"/>
-            <a:ext cx="38514240" cy="17554680"/>
+            <a:ext cx="38513880" cy="17554320"/>
           </a:xfrm>
           <a:prstGeom prst="rect">
             <a:avLst/>
@@ -766,7 +766,7 @@
         <p:spPr>
           <a:xfrm>
             <a:off x="2139480" y="1207440"/>
-            <a:ext cx="38514240" cy="5054040"/>
+            <a:ext cx="38513520" cy="5053320"/>
           </a:xfrm>
           <a:prstGeom prst="rect">
             <a:avLst/>
@@ -803,7 +803,7 @@
         <p:spPr>
           <a:xfrm>
             <a:off x="2139480" y="7082280"/>
-            <a:ext cx="18794880" cy="17554680"/>
+            <a:ext cx="18794520" cy="17554320"/>
           </a:xfrm>
           <a:prstGeom prst="rect">
             <a:avLst/>
@@ -838,8 +838,8 @@
         </p:nvSpPr>
         <p:spPr>
           <a:xfrm>
-            <a:off x="21874320" y="7082280"/>
-            <a:ext cx="18794880" cy="17554680"/>
+            <a:off x="21873960" y="7082280"/>
+            <a:ext cx="18794520" cy="17554320"/>
           </a:xfrm>
           <a:prstGeom prst="rect">
             <a:avLst/>
@@ -897,7 +897,7 @@
         <p:spPr>
           <a:xfrm>
             <a:off x="2139480" y="1207440"/>
-            <a:ext cx="38514240" cy="5054040"/>
+            <a:ext cx="38513520" cy="5053320"/>
           </a:xfrm>
           <a:prstGeom prst="rect">
             <a:avLst/>
@@ -956,7 +956,7 @@
         <p:spPr>
           <a:xfrm>
             <a:off x="2139480" y="1207440"/>
-            <a:ext cx="38514240" cy="23428800"/>
+            <a:ext cx="38513520" cy="23425560"/>
           </a:xfrm>
           <a:prstGeom prst="rect">
             <a:avLst/>
@@ -1015,7 +1015,7 @@
         <p:spPr>
           <a:xfrm>
             <a:off x="2139480" y="1207440"/>
-            <a:ext cx="38514240" cy="5054040"/>
+            <a:ext cx="38513520" cy="5053320"/>
           </a:xfrm>
           <a:prstGeom prst="rect">
             <a:avLst/>
@@ -1052,7 +1052,7 @@
         <p:spPr>
           <a:xfrm>
             <a:off x="2139480" y="7082280"/>
-            <a:ext cx="18794880" cy="8373240"/>
+            <a:ext cx="18794520" cy="8373240"/>
           </a:xfrm>
           <a:prstGeom prst="rect">
             <a:avLst/>
@@ -1088,7 +1088,7 @@
         <p:spPr>
           <a:xfrm>
             <a:off x="2139480" y="16251480"/>
-            <a:ext cx="18794880" cy="8373240"/>
+            <a:ext cx="18794520" cy="8373240"/>
           </a:xfrm>
           <a:prstGeom prst="rect">
             <a:avLst/>
@@ -1123,8 +1123,8 @@
         </p:nvSpPr>
         <p:spPr>
           <a:xfrm>
-            <a:off x="21874320" y="7082280"/>
-            <a:ext cx="18794880" cy="17554680"/>
+            <a:off x="21873960" y="7082280"/>
+            <a:ext cx="18794520" cy="17554320"/>
           </a:xfrm>
           <a:prstGeom prst="rect">
             <a:avLst/>
@@ -1182,7 +1182,7 @@
         <p:spPr>
           <a:xfrm>
             <a:off x="2139480" y="1207440"/>
-            <a:ext cx="38514240" cy="5054040"/>
+            <a:ext cx="38513520" cy="5053320"/>
           </a:xfrm>
           <a:prstGeom prst="rect">
             <a:avLst/>
@@ -1219,7 +1219,7 @@
         <p:spPr>
           <a:xfrm>
             <a:off x="2139480" y="7082280"/>
-            <a:ext cx="18794880" cy="17554680"/>
+            <a:ext cx="18794520" cy="17554320"/>
           </a:xfrm>
           <a:prstGeom prst="rect">
             <a:avLst/>
@@ -1254,8 +1254,8 @@
         </p:nvSpPr>
         <p:spPr>
           <a:xfrm>
-            <a:off x="21874320" y="7082280"/>
-            <a:ext cx="18794880" cy="8373240"/>
+            <a:off x="21873960" y="7082280"/>
+            <a:ext cx="18794520" cy="8373240"/>
           </a:xfrm>
           <a:prstGeom prst="rect">
             <a:avLst/>
@@ -1290,8 +1290,8 @@
         </p:nvSpPr>
         <p:spPr>
           <a:xfrm>
-            <a:off x="21874320" y="16251480"/>
-            <a:ext cx="18794880" cy="8373240"/>
+            <a:off x="21873960" y="16251480"/>
+            <a:ext cx="18794520" cy="8373240"/>
           </a:xfrm>
           <a:prstGeom prst="rect">
             <a:avLst/>
@@ -1349,7 +1349,7 @@
         <p:spPr>
           <a:xfrm>
             <a:off x="2139480" y="1207440"/>
-            <a:ext cx="38514240" cy="5054040"/>
+            <a:ext cx="38513520" cy="5053320"/>
           </a:xfrm>
           <a:prstGeom prst="rect">
             <a:avLst/>
@@ -1386,7 +1386,7 @@
         <p:spPr>
           <a:xfrm>
             <a:off x="2139480" y="7082280"/>
-            <a:ext cx="18794880" cy="8373240"/>
+            <a:ext cx="18794520" cy="8373240"/>
           </a:xfrm>
           <a:prstGeom prst="rect">
             <a:avLst/>
@@ -1421,8 +1421,8 @@
         </p:nvSpPr>
         <p:spPr>
           <a:xfrm>
-            <a:off x="21874320" y="7082280"/>
-            <a:ext cx="18794880" cy="8373240"/>
+            <a:off x="21873960" y="7082280"/>
+            <a:ext cx="18794520" cy="8373240"/>
           </a:xfrm>
           <a:prstGeom prst="rect">
             <a:avLst/>
@@ -1458,7 +1458,7 @@
         <p:spPr>
           <a:xfrm>
             <a:off x="2139480" y="16251480"/>
-            <a:ext cx="38514240" cy="8373240"/>
+            <a:ext cx="38513880" cy="8373240"/>
           </a:xfrm>
           <a:prstGeom prst="rect">
             <a:avLst/>
@@ -1523,7 +1523,7 @@
         <p:spPr>
           <a:xfrm>
             <a:off x="720" y="0"/>
-            <a:ext cx="42791040" cy="30265560"/>
+            <a:ext cx="42790320" cy="30264840"/>
           </a:xfrm>
           <a:prstGeom prst="rect">
             <a:avLst/>
@@ -1546,7 +1546,7 @@
         <p:spPr>
           <a:xfrm>
             <a:off x="2139480" y="1207440"/>
-            <a:ext cx="38514240" cy="5054040"/>
+            <a:ext cx="38513520" cy="5053320"/>
           </a:xfrm>
           <a:prstGeom prst="rect">
             <a:avLst/>
@@ -1556,20 +1556,6 @@
           <a:bodyPr lIns="0" rIns="0" tIns="0" bIns="0" anchor="ctr"/>
           <a:p>
             <a:pPr algn="ctr"/>
-            <a:r>
-              <a:rPr b="0" lang="en-IN" sz="4400" spc="-1" strike="noStrike">
-                <a:solidFill>
-                  <a:srgbClr val="000000"/>
-                </a:solidFill>
-                <a:uFill>
-                  <a:solidFill>
-                    <a:srgbClr val="ffffff"/>
-                  </a:solidFill>
-                </a:uFill>
-                <a:latin typeface="Arial"/>
-              </a:rPr>
-              <a:t>Click to edit the title text format</a:t>
-            </a:r>
             <a:endParaRPr b="0" lang="en-IN" sz="4400" spc="-1" strike="noStrike">
               <a:solidFill>
                 <a:srgbClr val="000000"/>
@@ -1597,7 +1583,7 @@
         <p:spPr>
           <a:xfrm>
             <a:off x="2139480" y="7082280"/>
-            <a:ext cx="38514240" cy="17554680"/>
+            <a:ext cx="38513880" cy="17554320"/>
           </a:xfrm>
           <a:prstGeom prst="rect">
             <a:avLst/>
@@ -1615,7 +1601,7 @@
               <a:buChar char=""/>
             </a:pPr>
             <a:r>
-              <a:rPr b="0" lang="en-IN" sz="3200" spc="-1" strike="noStrike">
+              <a:rPr b="0" lang="en-IN" sz="1800" spc="-1" strike="noStrike">
                 <a:solidFill>
                   <a:srgbClr val="000000"/>
                 </a:solidFill>
@@ -1628,7 +1614,7 @@
               </a:rPr>
               <a:t>Click to edit the outline text format</a:t>
             </a:r>
-            <a:endParaRPr b="0" lang="en-IN" sz="3200" spc="-1" strike="noStrike">
+            <a:endParaRPr b="0" lang="en-IN" sz="1800" spc="-1" strike="noStrike">
               <a:solidFill>
                 <a:srgbClr val="000000"/>
               </a:solidFill>
@@ -1650,7 +1636,7 @@
               <a:buChar char=""/>
             </a:pPr>
             <a:r>
-              <a:rPr b="0" lang="en-IN" sz="2800" spc="-1" strike="noStrike">
+              <a:rPr b="0" lang="en-IN" sz="1800" spc="-1" strike="noStrike">
                 <a:solidFill>
                   <a:srgbClr val="000000"/>
                 </a:solidFill>
@@ -1663,7 +1649,7 @@
               </a:rPr>
               <a:t>Second Outline Level</a:t>
             </a:r>
-            <a:endParaRPr b="0" lang="en-IN" sz="2800" spc="-1" strike="noStrike">
+            <a:endParaRPr b="0" lang="en-IN" sz="1800" spc="-1" strike="noStrike">
               <a:solidFill>
                 <a:srgbClr val="000000"/>
               </a:solidFill>
@@ -1685,7 +1671,7 @@
               <a:buChar char=""/>
             </a:pPr>
             <a:r>
-              <a:rPr b="0" lang="en-IN" sz="2400" spc="-1" strike="noStrike">
+              <a:rPr b="0" lang="en-IN" sz="1800" spc="-1" strike="noStrike">
                 <a:solidFill>
                   <a:srgbClr val="000000"/>
                 </a:solidFill>
@@ -1698,7 +1684,7 @@
               </a:rPr>
               <a:t>Third Outline Level</a:t>
             </a:r>
-            <a:endParaRPr b="0" lang="en-IN" sz="2400" spc="-1" strike="noStrike">
+            <a:endParaRPr b="0" lang="en-IN" sz="1800" spc="-1" strike="noStrike">
               <a:solidFill>
                 <a:srgbClr val="000000"/>
               </a:solidFill>
@@ -1720,7 +1706,7 @@
               <a:buChar char=""/>
             </a:pPr>
             <a:r>
-              <a:rPr b="0" lang="en-IN" sz="2000" spc="-1" strike="noStrike">
+              <a:rPr b="0" lang="en-IN" sz="1800" spc="-1" strike="noStrike">
                 <a:solidFill>
                   <a:srgbClr val="000000"/>
                 </a:solidFill>
@@ -1733,7 +1719,7 @@
               </a:rPr>
               <a:t>Fourth Outline Level</a:t>
             </a:r>
-            <a:endParaRPr b="0" lang="en-IN" sz="2000" spc="-1" strike="noStrike">
+            <a:endParaRPr b="0" lang="en-IN" sz="1800" spc="-1" strike="noStrike">
               <a:solidFill>
                 <a:srgbClr val="000000"/>
               </a:solidFill>
@@ -1755,7 +1741,7 @@
               <a:buChar char=""/>
             </a:pPr>
             <a:r>
-              <a:rPr b="0" lang="en-IN" sz="2000" spc="-1" strike="noStrike">
+              <a:rPr b="0" lang="en-IN" sz="1800" spc="-1" strike="noStrike">
                 <a:solidFill>
                   <a:srgbClr val="000000"/>
                 </a:solidFill>
@@ -1768,7 +1754,7 @@
               </a:rPr>
               <a:t>Fifth Outline Level</a:t>
             </a:r>
-            <a:endParaRPr b="0" lang="en-IN" sz="2000" spc="-1" strike="noStrike">
+            <a:endParaRPr b="0" lang="en-IN" sz="1800" spc="-1" strike="noStrike">
               <a:solidFill>
                 <a:srgbClr val="000000"/>
               </a:solidFill>
@@ -1790,7 +1776,7 @@
               <a:buChar char=""/>
             </a:pPr>
             <a:r>
-              <a:rPr b="0" lang="en-IN" sz="2000" spc="-1" strike="noStrike">
+              <a:rPr b="0" lang="en-IN" sz="1800" spc="-1" strike="noStrike">
                 <a:solidFill>
                   <a:srgbClr val="000000"/>
                 </a:solidFill>
@@ -1803,7 +1789,7 @@
               </a:rPr>
               <a:t>Sixth Outline Level</a:t>
             </a:r>
-            <a:endParaRPr b="0" lang="en-IN" sz="2000" spc="-1" strike="noStrike">
+            <a:endParaRPr b="0" lang="en-IN" sz="1800" spc="-1" strike="noStrike">
               <a:solidFill>
                 <a:srgbClr val="000000"/>
               </a:solidFill>
@@ -1825,7 +1811,7 @@
               <a:buChar char=""/>
             </a:pPr>
             <a:r>
-              <a:rPr b="0" lang="en-IN" sz="2000" spc="-1" strike="noStrike">
+              <a:rPr b="0" lang="en-IN" sz="1800" spc="-1" strike="noStrike">
                 <a:solidFill>
                   <a:srgbClr val="000000"/>
                 </a:solidFill>
@@ -1838,7 +1824,7 @@
               </a:rPr>
               <a:t>Seventh Outline Level</a:t>
             </a:r>
-            <a:endParaRPr b="0" lang="en-IN" sz="2000" spc="-1" strike="noStrike">
+            <a:endParaRPr b="0" lang="en-IN" sz="1800" spc="-1" strike="noStrike">
               <a:solidFill>
                 <a:srgbClr val="000000"/>
               </a:solidFill>
@@ -1898,7 +1884,7 @@
         <p:spPr>
           <a:xfrm>
             <a:off x="0" y="10800"/>
-            <a:ext cx="32686560" cy="2481120"/>
+            <a:ext cx="32685840" cy="2480400"/>
           </a:xfrm>
           <a:prstGeom prst="rect">
             <a:avLst/>
@@ -1988,7 +1974,7 @@
         <p:spPr>
           <a:xfrm>
             <a:off x="684000" y="14179320"/>
-            <a:ext cx="10975320" cy="9219960"/>
+            <a:ext cx="10974600" cy="9219240"/>
           </a:xfrm>
           <a:prstGeom prst="rect">
             <a:avLst/>
@@ -1996,7 +1982,7 @@
           <a:gradFill>
             <a:gsLst>
               <a:gs pos="0">
-                <a:srgbClr val="7f7f7f"/>
+                <a:srgbClr val="eeeeee"/>
               </a:gs>
               <a:gs pos="100000">
                 <a:srgbClr val="ffffff"/>
@@ -2055,7 +2041,7 @@
         <p:spPr>
           <a:xfrm>
             <a:off x="1179720" y="14603400"/>
-            <a:ext cx="10479600" cy="17687880"/>
+            <a:ext cx="10478880" cy="17687160"/>
           </a:xfrm>
           <a:prstGeom prst="rect">
             <a:avLst/>
@@ -2173,7 +2159,7 @@
                 <a:latin typeface="Calibri"/>
                 <a:ea typeface="Verdana"/>
               </a:rPr>
-              <a:t> parties increasing secuity. However even when FIM protocols are imlemented, systems may not necessarily be completeley secure. Current browser secuity policies like Same Origin Policy(SOP) </a:t>
+              <a:t> parties, thus increasing security. However even when FIM protocols are implemented, systems may not necessarily be completely secure. Current browser secuity policies like Same Origin Policy(SOP) </a:t>
             </a:r>
             <a:endParaRPr b="0" lang="en-IN" sz="1800" spc="-1" strike="noStrike">
               <a:solidFill>
@@ -2306,7 +2292,7 @@
         <p:spPr>
           <a:xfrm>
             <a:off x="12592440" y="4495320"/>
-            <a:ext cx="10975320" cy="22037040"/>
+            <a:ext cx="10974600" cy="22216320"/>
           </a:xfrm>
           <a:prstGeom prst="rect">
             <a:avLst/>
@@ -2314,7 +2300,7 @@
           <a:gradFill>
             <a:gsLst>
               <a:gs pos="0">
-                <a:srgbClr val="7f7f7f"/>
+                <a:srgbClr val="eeeeee"/>
               </a:gs>
               <a:gs pos="100000">
                 <a:srgbClr val="ffffff"/>
@@ -2342,7 +2328,7 @@
         <p:spPr>
           <a:xfrm>
             <a:off x="648000" y="4500000"/>
-            <a:ext cx="11016000" cy="8891280"/>
+            <a:ext cx="11015280" cy="8890560"/>
           </a:xfrm>
           <a:prstGeom prst="rect">
             <a:avLst/>
@@ -2350,7 +2336,7 @@
           <a:gradFill>
             <a:gsLst>
               <a:gs pos="0">
-                <a:srgbClr val="7f7f7f"/>
+                <a:srgbClr val="eeeeee"/>
               </a:gs>
               <a:gs pos="100000">
                 <a:srgbClr val="ffffff"/>
@@ -2378,7 +2364,7 @@
         <p:spPr>
           <a:xfrm>
             <a:off x="24141600" y="4500000"/>
-            <a:ext cx="17531280" cy="12973680"/>
+            <a:ext cx="17530560" cy="13447800"/>
           </a:xfrm>
           <a:prstGeom prst="rect">
             <a:avLst/>
@@ -2386,7 +2372,7 @@
           <a:gradFill>
             <a:gsLst>
               <a:gs pos="0">
-                <a:srgbClr val="7f7f7f"/>
+                <a:srgbClr val="eeeeee"/>
               </a:gs>
               <a:gs pos="100000">
                 <a:srgbClr val="ffffff"/>
@@ -2414,7 +2400,7 @@
         <p:spPr>
           <a:xfrm>
             <a:off x="24141600" y="17421120"/>
-            <a:ext cx="17531280" cy="7014600"/>
+            <a:ext cx="17530560" cy="7013880"/>
           </a:xfrm>
           <a:prstGeom prst="rect">
             <a:avLst/>
@@ -2422,7 +2408,7 @@
           <a:gradFill>
             <a:gsLst>
               <a:gs pos="0">
-                <a:srgbClr val="7f7f7f"/>
+                <a:srgbClr val="eeeeee"/>
               </a:gs>
               <a:gs pos="100000">
                 <a:srgbClr val="ffffff"/>
@@ -2450,7 +2436,7 @@
         <p:spPr>
           <a:xfrm>
             <a:off x="13202280" y="4947840"/>
-            <a:ext cx="9908280" cy="2650320"/>
+            <a:ext cx="9907560" cy="2649600"/>
           </a:xfrm>
           <a:prstGeom prst="rect">
             <a:avLst/>
@@ -2487,7 +2473,55 @@
                 <a:latin typeface="Calibri"/>
                 <a:ea typeface="Verdana"/>
               </a:rPr>
-              <a:t>still have many issues and lack complete coverage. Thus through modeling and experimentation we must test how systems using FIM react to cross origin attacks. In addition if risks exist, can CORP be used to mitigate them.</a:t>
+              <a:t>still have many issues and lack complete coverage. Thus through modeling and experimentation we must test how systems using FIM react to cross origin attacks.</a:t>
+            </a:r>
+            <a:endParaRPr b="0" lang="en-IN" sz="1800" spc="-1" strike="noStrike">
+              <a:solidFill>
+                <a:srgbClr val="000000"/>
+              </a:solidFill>
+              <a:uFill>
+                <a:solidFill>
+                  <a:srgbClr val="ffffff"/>
+                </a:solidFill>
+              </a:uFill>
+              <a:latin typeface="Arial"/>
+            </a:endParaRPr>
+          </a:p>
+          <a:p>
+            <a:pPr>
+              <a:lnSpc>
+                <a:spcPct val="100000"/>
+              </a:lnSpc>
+            </a:pPr>
+            <a:r>
+              <a:rPr b="1" lang="en-IN" sz="4800" spc="-1" strike="noStrike">
+                <a:solidFill>
+                  <a:srgbClr val="2f99cd"/>
+                </a:solidFill>
+                <a:uFill>
+                  <a:solidFill>
+                    <a:srgbClr val="ffffff"/>
+                  </a:solidFill>
+                </a:uFill>
+                <a:latin typeface="Calibri"/>
+                <a:ea typeface="Verdana"/>
+              </a:rPr>
+              <a:t>Cross Origin Reqest Policy</a:t>
+            </a:r>
+            <a:r>
+              <a:rPr b="0" lang="en-IN" sz="4800" spc="-1" strike="noStrike">
+                <a:solidFill>
+                  <a:srgbClr val="000000"/>
+                </a:solidFill>
+                <a:uFill>
+                  <a:solidFill>
+                    <a:srgbClr val="ffffff"/>
+                  </a:solidFill>
+                </a:uFill>
+                <a:latin typeface="Calibri"/>
+                <a:ea typeface="Verdana"/>
+              </a:rPr>
+              <a:t>(CORP), a proposed browser security policy which aims to bridge the gaps in current policies, may be used to mitigate them.</a:t>
             </a:r>
             <a:endParaRPr b="0" lang="en-IN" sz="1800" spc="-1" strike="noStrike">
               <a:solidFill>
@@ -3481,7 +3515,7 @@
         <p:spPr>
           <a:xfrm>
             <a:off x="932400" y="4988880"/>
-            <a:ext cx="10620720" cy="7174080"/>
+            <a:ext cx="10620000" cy="7173360"/>
           </a:xfrm>
           <a:prstGeom prst="rect">
             <a:avLst/>
@@ -3569,7 +3603,7 @@
                 <a:latin typeface="Calibri"/>
                 <a:ea typeface="Verdana"/>
               </a:rPr>
-              <a:t>To look at the impact of Cross Origin Attacks on systems using Federated Identity Management to handle authentication. </a:t>
+              <a:t>To study the impact of Cross Origin Attacks on systems using Federated Identity Management to handle authentication. </a:t>
             </a:r>
             <a:endParaRPr b="0" lang="en-IN" sz="1800" spc="-1" strike="noStrike">
               <a:solidFill>
@@ -3678,7 +3712,7 @@
         <p:spPr>
           <a:xfrm>
             <a:off x="24598800" y="11197800"/>
-            <a:ext cx="15549480" cy="6305400"/>
+            <a:ext cx="15548760" cy="6304680"/>
           </a:xfrm>
           <a:prstGeom prst="rect">
             <a:avLst/>
@@ -3766,7 +3800,7 @@
                 <a:latin typeface="Calibri"/>
                 <a:ea typeface="Verdana"/>
               </a:rPr>
-              <a:t>Succesfully modeled CORP and its interaction with the browser. Used the alloy model to show risks of cross origin attack.</a:t>
+              <a:t>We modeled CORP and its interaction with the browser and used the alloy model to show risks of cross origin attacks.</a:t>
             </a:r>
             <a:endParaRPr b="0" lang="en-IN" sz="1800" spc="-1" strike="noStrike">
               <a:solidFill>
@@ -3824,7 +3858,7 @@
         <p:spPr>
           <a:xfrm>
             <a:off x="24598800" y="17948160"/>
-            <a:ext cx="15549480" cy="6167880"/>
+            <a:ext cx="15548760" cy="6167160"/>
           </a:xfrm>
           <a:prstGeom prst="rect">
             <a:avLst/>
@@ -3937,7 +3971,7 @@
         <p:spPr>
           <a:xfrm>
             <a:off x="29325240" y="25952040"/>
-            <a:ext cx="11585160" cy="1782360"/>
+            <a:ext cx="11584440" cy="1781640"/>
           </a:xfrm>
           <a:prstGeom prst="rect">
             <a:avLst/>
@@ -3974,7 +4008,7 @@
                 <a:latin typeface="Calibri"/>
                 <a:ea typeface="DejaVu Sans"/>
               </a:rPr>
-              <a:t>Projit Bandyopadhyay</a:t>
+              <a:t>Akash Agrawall</a:t>
             </a:r>
             <a:endParaRPr b="0" lang="en-IN" sz="1800" spc="-1" strike="noStrike">
               <a:solidFill>
@@ -4008,6 +4042,72 @@
                 <a:ea typeface="DejaVu Sans"/>
               </a:rPr>
               <a:t>Shubh Maheshwari</a:t>
+            </a:r>
+            <a:endParaRPr b="0" lang="en-IN" sz="1800" spc="-1" strike="noStrike">
+              <a:solidFill>
+                <a:srgbClr val="000000"/>
+              </a:solidFill>
+              <a:uFill>
+                <a:solidFill>
+                  <a:srgbClr val="ffffff"/>
+                </a:solidFill>
+              </a:uFill>
+              <a:latin typeface="Arial"/>
+            </a:endParaRPr>
+          </a:p>
+          <a:p>
+            <a:pPr>
+              <a:lnSpc>
+                <a:spcPct val="100000"/>
+              </a:lnSpc>
+            </a:pPr>
+            <a:r>
+              <a:rPr b="0" lang="en-IN" sz="3500" spc="-1" strike="noStrike">
+                <a:solidFill>
+                  <a:srgbClr val="808080"/>
+                </a:solidFill>
+                <a:uFill>
+                  <a:solidFill>
+                    <a:srgbClr val="ffffff"/>
+                  </a:solidFill>
+                </a:uFill>
+                <a:latin typeface="Calibri"/>
+                <a:ea typeface="DejaVu Sans"/>
+              </a:rPr>
+              <a:t>Projit Bandyopadhyay</a:t>
+            </a:r>
+            <a:endParaRPr b="0" lang="en-IN" sz="1800" spc="-1" strike="noStrike">
+              <a:solidFill>
+                <a:srgbClr val="000000"/>
+              </a:solidFill>
+              <a:uFill>
+                <a:solidFill>
+                  <a:srgbClr val="ffffff"/>
+                </a:solidFill>
+              </a:uFill>
+              <a:latin typeface="Arial"/>
+            </a:endParaRPr>
+          </a:p>
+          <a:p>
+            <a:pPr>
+              <a:lnSpc>
+                <a:spcPct val="100000"/>
+              </a:lnSpc>
+            </a:pPr>
+            <a:r>
+              <a:rPr b="0" lang="en-IN" sz="3500" spc="-1" strike="noStrike">
+                <a:solidFill>
+                  <a:srgbClr val="808080"/>
+                </a:solidFill>
+                <a:uFill>
+                  <a:solidFill>
+                    <a:srgbClr val="ffffff"/>
+                  </a:solidFill>
+                </a:uFill>
+                <a:latin typeface="Calibri"/>
+                <a:ea typeface="DejaVu Sans"/>
+              </a:rPr>
+              <a:t>Venkatesh  Choppella</a:t>
             </a:r>
             <a:endParaRPr b="0" lang="en-IN" sz="1800" spc="-1" strike="noStrike">
               <a:solidFill>
@@ -4054,7 +4154,7 @@
         <p:spPr>
           <a:xfrm>
             <a:off x="24750360" y="24741000"/>
-            <a:ext cx="4420800" cy="2953800"/>
+            <a:ext cx="4420080" cy="2953080"/>
           </a:xfrm>
           <a:prstGeom prst="rect">
             <a:avLst/>
@@ -4076,8 +4176,8 @@
         </p:blipFill>
         <p:spPr>
           <a:xfrm>
-            <a:off x="14256360" y="13788000"/>
-            <a:ext cx="7343280" cy="4627080"/>
+            <a:off x="14256360" y="15912000"/>
+            <a:ext cx="7342560" cy="4626360"/>
           </a:xfrm>
           <a:prstGeom prst="rect">
             <a:avLst/>
@@ -4099,8 +4199,8 @@
         </p:blipFill>
         <p:spPr>
           <a:xfrm>
-            <a:off x="24256800" y="4876920"/>
-            <a:ext cx="8394480" cy="5402520"/>
+            <a:off x="24724800" y="5517000"/>
+            <a:ext cx="7566840" cy="4869720"/>
           </a:xfrm>
           <a:prstGeom prst="rect">
             <a:avLst/>
@@ -4121,9 +4221,9 @@
           <a:stretch/>
         </p:blipFill>
         <p:spPr>
-          <a:xfrm>
-            <a:off x="33098760" y="4794840"/>
-            <a:ext cx="8552520" cy="4899240"/>
+          <a:xfrm rot="21586200">
+            <a:off x="32373000" y="5515200"/>
+            <a:ext cx="8439840" cy="4834800"/>
           </a:xfrm>
           <a:prstGeom prst="rect">
             <a:avLst/>
@@ -4135,14 +4235,14 @@
       </p:pic>
       <p:sp>
         <p:nvSpPr>
-          <p:cNvPr id="53" name="TextShape 13"/>
-          <p:cNvSpPr txBox="1"/>
+          <p:cNvPr id="53" name="CustomShape 13"/>
+          <p:cNvSpPr/>
           <p:nvPr/>
         </p:nvSpPr>
         <p:spPr>
           <a:xfrm>
             <a:off x="27160200" y="10728000"/>
-            <a:ext cx="3007800" cy="792000"/>
+            <a:ext cx="3007080" cy="791280"/>
           </a:xfrm>
           <a:prstGeom prst="rect">
             <a:avLst/>
@@ -4152,6 +4252,12 @@
             <a:noFill/>
           </a:ln>
         </p:spPr>
+        <p:style>
+          <a:lnRef idx="0"/>
+          <a:fillRef idx="0"/>
+          <a:effectRef idx="0"/>
+          <a:fontRef idx="minor"/>
+        </p:style>
         <p:txBody>
           <a:bodyPr lIns="90000" rIns="90000" tIns="45000" bIns="45000"/>
           <a:p>
@@ -4166,10 +4272,11 @@
                   </a:solidFill>
                 </a:uFill>
                 <a:latin typeface="Arial"/>
+                <a:ea typeface="DejaVu Sans"/>
               </a:rPr>
               <a:t>The Logout Attack</a:t>
             </a:r>
-            <a:endParaRPr b="0" lang="en-IN" sz="2400" spc="-1" strike="noStrike">
+            <a:endParaRPr b="0" lang="en-IN" sz="1800" spc="-1" strike="noStrike">
               <a:solidFill>
                 <a:srgbClr val="000000"/>
               </a:solidFill>
@@ -4185,14 +4292,14 @@
       </p:sp>
       <p:sp>
         <p:nvSpPr>
-          <p:cNvPr id="54" name="TextShape 14"/>
-          <p:cNvSpPr txBox="1"/>
+          <p:cNvPr id="54" name="CustomShape 14"/>
+          <p:cNvSpPr/>
           <p:nvPr/>
         </p:nvSpPr>
         <p:spPr>
           <a:xfrm>
             <a:off x="35208000" y="10729800"/>
-            <a:ext cx="4464000" cy="430200"/>
+            <a:ext cx="4463280" cy="429480"/>
           </a:xfrm>
           <a:prstGeom prst="rect">
             <a:avLst/>
@@ -4202,6 +4309,12 @@
             <a:noFill/>
           </a:ln>
         </p:spPr>
+        <p:style>
+          <a:lnRef idx="0"/>
+          <a:fillRef idx="0"/>
+          <a:effectRef idx="0"/>
+          <a:fontRef idx="minor"/>
+        </p:style>
         <p:txBody>
           <a:bodyPr lIns="90000" rIns="90000" tIns="45000" bIns="45000"/>
           <a:p>
@@ -4216,10 +4329,11 @@
                   </a:solidFill>
                 </a:uFill>
                 <a:latin typeface="Arial"/>
+                <a:ea typeface="DejaVu Sans"/>
               </a:rPr>
               <a:t>The Logout Attack Mitigation</a:t>
             </a:r>
-            <a:endParaRPr b="0" lang="en-IN" sz="2400" spc="-1" strike="noStrike">
+            <a:endParaRPr b="0" lang="en-IN" sz="1800" spc="-1" strike="noStrike">
               <a:solidFill>
                 <a:srgbClr val="000000"/>
               </a:solidFill>
